--- a/2. Back-end/1. JavaCore/Bài 13. String trong Java/06. String, StringBuilder, StringBuffer.pptx
+++ b/2. Back-end/1. JavaCore/Bài 13. String trong Java/06. String, StringBuilder, StringBuffer.pptx
@@ -310,7 +310,7 @@
             <a:fld id="{1D8BD707-D9CF-40AE-B4C6-C98DA3205C09}" type="datetimeFigureOut">
               <a:rPr lang="en-US" smtClean="0"/>
               <a:pPr/>
-              <a:t>7/10/2018</a:t>
+              <a:t>8/8/2018</a:t>
             </a:fld>
             <a:endParaRPr lang="en-US"/>
           </a:p>
@@ -477,7 +477,7 @@
             <a:fld id="{1D8BD707-D9CF-40AE-B4C6-C98DA3205C09}" type="datetimeFigureOut">
               <a:rPr lang="en-US" smtClean="0"/>
               <a:pPr/>
-              <a:t>7/10/2018</a:t>
+              <a:t>8/8/2018</a:t>
             </a:fld>
             <a:endParaRPr lang="en-US"/>
           </a:p>
@@ -654,7 +654,7 @@
             <a:fld id="{1D8BD707-D9CF-40AE-B4C6-C98DA3205C09}" type="datetimeFigureOut">
               <a:rPr lang="en-US" smtClean="0"/>
               <a:pPr/>
-              <a:t>7/10/2018</a:t>
+              <a:t>8/8/2018</a:t>
             </a:fld>
             <a:endParaRPr lang="en-US"/>
           </a:p>
@@ -821,7 +821,7 @@
             <a:fld id="{1D8BD707-D9CF-40AE-B4C6-C98DA3205C09}" type="datetimeFigureOut">
               <a:rPr lang="en-US" smtClean="0"/>
               <a:pPr/>
-              <a:t>7/10/2018</a:t>
+              <a:t>8/8/2018</a:t>
             </a:fld>
             <a:endParaRPr lang="en-US"/>
           </a:p>
@@ -1064,7 +1064,7 @@
             <a:fld id="{1D8BD707-D9CF-40AE-B4C6-C98DA3205C09}" type="datetimeFigureOut">
               <a:rPr lang="en-US" smtClean="0"/>
               <a:pPr/>
-              <a:t>7/10/2018</a:t>
+              <a:t>8/8/2018</a:t>
             </a:fld>
             <a:endParaRPr lang="en-US"/>
           </a:p>
@@ -1349,7 +1349,7 @@
             <a:fld id="{1D8BD707-D9CF-40AE-B4C6-C98DA3205C09}" type="datetimeFigureOut">
               <a:rPr lang="en-US" smtClean="0"/>
               <a:pPr/>
-              <a:t>7/10/2018</a:t>
+              <a:t>8/8/2018</a:t>
             </a:fld>
             <a:endParaRPr lang="en-US"/>
           </a:p>
@@ -1768,7 +1768,7 @@
             <a:fld id="{1D8BD707-D9CF-40AE-B4C6-C98DA3205C09}" type="datetimeFigureOut">
               <a:rPr lang="en-US" smtClean="0"/>
               <a:pPr/>
-              <a:t>7/10/2018</a:t>
+              <a:t>8/8/2018</a:t>
             </a:fld>
             <a:endParaRPr lang="en-US"/>
           </a:p>
@@ -1883,7 +1883,7 @@
             <a:fld id="{1D8BD707-D9CF-40AE-B4C6-C98DA3205C09}" type="datetimeFigureOut">
               <a:rPr lang="en-US" smtClean="0"/>
               <a:pPr/>
-              <a:t>7/10/2018</a:t>
+              <a:t>8/8/2018</a:t>
             </a:fld>
             <a:endParaRPr lang="en-US"/>
           </a:p>
@@ -1975,7 +1975,7 @@
             <a:fld id="{1D8BD707-D9CF-40AE-B4C6-C98DA3205C09}" type="datetimeFigureOut">
               <a:rPr lang="en-US" smtClean="0"/>
               <a:pPr/>
-              <a:t>7/10/2018</a:t>
+              <a:t>8/8/2018</a:t>
             </a:fld>
             <a:endParaRPr lang="en-US"/>
           </a:p>
@@ -2249,7 +2249,7 @@
             <a:fld id="{1D8BD707-D9CF-40AE-B4C6-C98DA3205C09}" type="datetimeFigureOut">
               <a:rPr lang="en-US" smtClean="0"/>
               <a:pPr/>
-              <a:t>7/10/2018</a:t>
+              <a:t>8/8/2018</a:t>
             </a:fld>
             <a:endParaRPr lang="en-US"/>
           </a:p>
@@ -2499,7 +2499,7 @@
             <a:fld id="{1D8BD707-D9CF-40AE-B4C6-C98DA3205C09}" type="datetimeFigureOut">
               <a:rPr lang="en-US" smtClean="0"/>
               <a:pPr/>
-              <a:t>7/10/2018</a:t>
+              <a:t>8/8/2018</a:t>
             </a:fld>
             <a:endParaRPr lang="en-US"/>
           </a:p>
@@ -2709,7 +2709,7 @@
             <a:fld id="{1D8BD707-D9CF-40AE-B4C6-C98DA3205C09}" type="datetimeFigureOut">
               <a:rPr lang="en-US" smtClean="0"/>
               <a:pPr/>
-              <a:t>7/10/2018</a:t>
+              <a:t>8/8/2018</a:t>
             </a:fld>
             <a:endParaRPr lang="en-US"/>
           </a:p>
@@ -3723,14 +3723,43 @@
         <p:spPr/>
         <p:txBody>
           <a:bodyPr>
-            <a:normAutofit/>
+            <a:normAutofit fontScale="92500"/>
           </a:bodyPr>
           <a:lstStyle/>
           <a:p>
             <a:r>
               <a:rPr lang="en-GB" b="1" dirty="0" smtClean="0"/>
-              <a:t>length()</a:t>
-            </a:r>
+              <a:t>length</a:t>
+            </a:r>
+            <a:r>
+              <a:rPr lang="en-GB" b="1" dirty="0" smtClean="0"/>
+              <a:t>() </a:t>
+            </a:r>
+            <a:r>
+              <a:rPr lang="en-GB" dirty="0" smtClean="0"/>
+              <a:t>– </a:t>
+            </a:r>
+            <a:r>
+              <a:rPr lang="en-GB" dirty="0" err="1" smtClean="0"/>
+              <a:t>Lấy</a:t>
+            </a:r>
+            <a:r>
+              <a:rPr lang="en-GB" dirty="0" smtClean="0"/>
+              <a:t> </a:t>
+            </a:r>
+            <a:r>
+              <a:rPr lang="en-GB" dirty="0" err="1" smtClean="0"/>
+              <a:t>đô</a:t>
+            </a:r>
+            <a:r>
+              <a:rPr lang="en-GB" dirty="0" smtClean="0"/>
+              <a:t>̣ </a:t>
+            </a:r>
+            <a:r>
+              <a:rPr lang="en-GB" dirty="0" err="1" smtClean="0"/>
+              <a:t>dài</a:t>
+            </a:r>
+            <a:endParaRPr lang="en-GB" dirty="0" smtClean="0"/>
           </a:p>
           <a:p>
             <a:r>
@@ -3742,9 +3771,22 @@
               <a:t>(String</a:t>
             </a:r>
             <a:r>
-              <a:rPr lang="en-GB" b="1" dirty="0"/>
-              <a:t>)</a:t>
-            </a:r>
+              <a:rPr lang="en-GB" b="1" dirty="0" smtClean="0"/>
+              <a:t>) – </a:t>
+            </a:r>
+            <a:r>
+              <a:rPr lang="en-GB" i="1" dirty="0" err="1" smtClean="0"/>
+              <a:t>Nối</a:t>
+            </a:r>
+            <a:r>
+              <a:rPr lang="en-GB" i="1" dirty="0" smtClean="0"/>
+              <a:t> </a:t>
+            </a:r>
+            <a:r>
+              <a:rPr lang="en-GB" i="1" dirty="0" err="1" smtClean="0"/>
+              <a:t>chuỗi</a:t>
+            </a:r>
+            <a:endParaRPr lang="en-GB" i="1" dirty="0"/>
           </a:p>
           <a:p>
             <a:r>
@@ -3761,27 +3803,176 @@
             </a:r>
             <a:r>
               <a:rPr lang="en-GB" b="1" dirty="0" smtClean="0"/>
-              <a:t>)</a:t>
-            </a:r>
-            <a:endParaRPr lang="en-GB" b="1" dirty="0"/>
+              <a:t>) –</a:t>
+            </a:r>
+            <a:r>
+              <a:rPr lang="en-GB" dirty="0" smtClean="0"/>
+              <a:t> </a:t>
+            </a:r>
+            <a:r>
+              <a:rPr lang="en-GB" dirty="0" err="1" smtClean="0"/>
+              <a:t>Lấy</a:t>
+            </a:r>
+            <a:r>
+              <a:rPr lang="en-GB" dirty="0" smtClean="0"/>
+              <a:t> vị trí </a:t>
+            </a:r>
+            <a:r>
+              <a:rPr lang="en-GB" dirty="0" err="1" smtClean="0"/>
+              <a:t>đầu</a:t>
+            </a:r>
+            <a:r>
+              <a:rPr lang="en-GB" dirty="0" smtClean="0"/>
+              <a:t> </a:t>
+            </a:r>
+            <a:r>
+              <a:rPr lang="en-GB" dirty="0" err="1" smtClean="0"/>
+              <a:t>tiên</a:t>
+            </a:r>
+            <a:r>
+              <a:rPr lang="en-GB" dirty="0" smtClean="0"/>
+              <a:t> </a:t>
+            </a:r>
+            <a:r>
+              <a:rPr lang="en-GB" dirty="0" err="1" smtClean="0"/>
+              <a:t>của</a:t>
+            </a:r>
+            <a:r>
+              <a:rPr lang="en-GB" dirty="0" smtClean="0"/>
+              <a:t> </a:t>
+            </a:r>
+            <a:r>
+              <a:rPr lang="en-GB" dirty="0" err="1" smtClean="0"/>
+              <a:t>ki</a:t>
+            </a:r>
+            <a:r>
+              <a:rPr lang="en-GB" dirty="0" smtClean="0"/>
+              <a:t>́ </a:t>
+            </a:r>
+            <a:r>
+              <a:rPr lang="en-GB" dirty="0" err="1" smtClean="0"/>
+              <a:t>tư</a:t>
+            </a:r>
+            <a:r>
+              <a:rPr lang="en-GB" dirty="0" smtClean="0"/>
+              <a:t>̣</a:t>
+            </a:r>
+            <a:endParaRPr lang="en-GB" dirty="0"/>
           </a:p>
           <a:p>
             <a:r>
               <a:rPr lang="en-GB" b="1" dirty="0" smtClean="0"/>
-              <a:t>replace()</a:t>
-            </a:r>
+              <a:t>replace</a:t>
+            </a:r>
+            <a:r>
+              <a:rPr lang="en-GB" b="1" dirty="0" smtClean="0"/>
+              <a:t>() – </a:t>
+            </a:r>
+            <a:r>
+              <a:rPr lang="en-GB" dirty="0" err="1" smtClean="0"/>
+              <a:t>Thay</a:t>
+            </a:r>
+            <a:r>
+              <a:rPr lang="en-GB" dirty="0" smtClean="0"/>
+              <a:t> </a:t>
+            </a:r>
+            <a:r>
+              <a:rPr lang="en-GB" dirty="0" err="1" smtClean="0"/>
+              <a:t>thê</a:t>
+            </a:r>
+            <a:r>
+              <a:rPr lang="en-GB" dirty="0" smtClean="0"/>
+              <a:t>́ </a:t>
+            </a:r>
+            <a:r>
+              <a:rPr lang="en-GB" dirty="0" err="1" smtClean="0"/>
+              <a:t>trong</a:t>
+            </a:r>
+            <a:r>
+              <a:rPr lang="en-GB" dirty="0" smtClean="0"/>
+              <a:t> </a:t>
+            </a:r>
+            <a:r>
+              <a:rPr lang="en-GB" dirty="0" err="1" smtClean="0"/>
+              <a:t>chuỗi</a:t>
+            </a:r>
+            <a:endParaRPr lang="en-GB" dirty="0" smtClean="0"/>
           </a:p>
           <a:p>
             <a:r>
               <a:rPr lang="en-US" b="1" dirty="0" smtClean="0"/>
-              <a:t>split()</a:t>
-            </a:r>
-            <a:endParaRPr lang="en-GB" b="1" dirty="0"/>
+              <a:t>split</a:t>
+            </a:r>
+            <a:r>
+              <a:rPr lang="en-US" b="1" dirty="0" smtClean="0"/>
+              <a:t>() –</a:t>
+            </a:r>
+            <a:r>
+              <a:rPr lang="en-US" dirty="0" smtClean="0"/>
+              <a:t> </a:t>
+            </a:r>
+            <a:r>
+              <a:rPr lang="en-US" dirty="0" err="1" smtClean="0"/>
+              <a:t>Cắt</a:t>
+            </a:r>
+            <a:r>
+              <a:rPr lang="en-US" dirty="0" smtClean="0"/>
+              <a:t> </a:t>
+            </a:r>
+            <a:r>
+              <a:rPr lang="en-US" dirty="0" err="1" smtClean="0"/>
+              <a:t>chuỗi</a:t>
+            </a:r>
+            <a:r>
+              <a:rPr lang="en-US" dirty="0" smtClean="0"/>
+              <a:t> </a:t>
+            </a:r>
+            <a:r>
+              <a:rPr lang="en-US" dirty="0" err="1" smtClean="0"/>
+              <a:t>theo</a:t>
+            </a:r>
+            <a:r>
+              <a:rPr lang="en-US" dirty="0" smtClean="0"/>
+              <a:t> </a:t>
+            </a:r>
+            <a:r>
+              <a:rPr lang="en-US" dirty="0" err="1" smtClean="0"/>
+              <a:t>quy</a:t>
+            </a:r>
+            <a:r>
+              <a:rPr lang="en-US" dirty="0" smtClean="0"/>
+              <a:t> </a:t>
+            </a:r>
+            <a:r>
+              <a:rPr lang="en-US" dirty="0" err="1" smtClean="0"/>
+              <a:t>tắc</a:t>
+            </a:r>
+            <a:endParaRPr lang="en-GB" dirty="0"/>
           </a:p>
           <a:p>
             <a:r>
               <a:rPr lang="en-GB" b="1" dirty="0" smtClean="0"/>
-              <a:t>substring()</a:t>
+              <a:t>substring</a:t>
+            </a:r>
+            <a:r>
+              <a:rPr lang="en-GB" b="1" dirty="0" smtClean="0"/>
+              <a:t>() – </a:t>
+            </a:r>
+            <a:r>
+              <a:rPr lang="en-GB" dirty="0" err="1" smtClean="0"/>
+              <a:t>Cắt</a:t>
+            </a:r>
+            <a:r>
+              <a:rPr lang="en-GB" dirty="0" smtClean="0"/>
+              <a:t> </a:t>
+            </a:r>
+            <a:r>
+              <a:rPr lang="en-GB" dirty="0" err="1" smtClean="0"/>
+              <a:t>chuỗi</a:t>
+            </a:r>
+            <a:r>
+              <a:rPr lang="en-GB" dirty="0" smtClean="0"/>
+              <a:t> </a:t>
             </a:r>
             <a:r>
               <a:rPr lang="en-GB" b="1" dirty="0"/>
